--- a/FinalPresentation_v2.pptx
+++ b/FinalPresentation_v2.pptx
@@ -10,9 +10,10 @@
     <p:sldId id="259" r:id="rId4"/>
     <p:sldId id="260" r:id="rId5"/>
     <p:sldId id="261" r:id="rId6"/>
-    <p:sldId id="263" r:id="rId7"/>
-    <p:sldId id="264" r:id="rId8"/>
-    <p:sldId id="262" r:id="rId9"/>
+    <p:sldId id="264" r:id="rId7"/>
+    <p:sldId id="263" r:id="rId8"/>
+    <p:sldId id="265" r:id="rId9"/>
+    <p:sldId id="262" r:id="rId10"/>
   </p:sldIdLst>
   <p:sldSz cx="9144000" cy="6858000" type="screen4x3"/>
   <p:notesSz cx="6858000" cy="9144000"/>
@@ -290,11 +291,11 @@
         </c:dLbls>
         <c:marker val="1"/>
         <c:smooth val="0"/>
-        <c:axId val="83788928"/>
-        <c:axId val="83790464"/>
+        <c:axId val="85569536"/>
+        <c:axId val="85571456"/>
       </c:lineChart>
       <c:catAx>
-        <c:axId val="83788928"/>
+        <c:axId val="85569536"/>
         <c:scaling>
           <c:orientation val="minMax"/>
         </c:scaling>
@@ -304,7 +305,7 @@
         <c:majorTickMark val="out"/>
         <c:minorTickMark val="none"/>
         <c:tickLblPos val="nextTo"/>
-        <c:crossAx val="83790464"/>
+        <c:crossAx val="85571456"/>
         <c:crosses val="autoZero"/>
         <c:auto val="1"/>
         <c:lblAlgn val="ctr"/>
@@ -312,7 +313,7 @@
         <c:noMultiLvlLbl val="0"/>
       </c:catAx>
       <c:valAx>
-        <c:axId val="83790464"/>
+        <c:axId val="85571456"/>
         <c:scaling>
           <c:orientation val="minMax"/>
         </c:scaling>
@@ -323,7 +324,7 @@
         <c:majorTickMark val="out"/>
         <c:minorTickMark val="none"/>
         <c:tickLblPos val="nextTo"/>
-        <c:crossAx val="83788928"/>
+        <c:crossAx val="85569536"/>
         <c:crosses val="autoZero"/>
         <c:crossBetween val="between"/>
       </c:valAx>
@@ -3348,11 +3349,7 @@
           <a:p>
             <a:r>
               <a:rPr lang="en-US" dirty="0" smtClean="0"/>
-              <a:t>6.878 </a:t>
-            </a:r>
-            <a:r>
-              <a:rPr lang="en-US" dirty="0" smtClean="0"/>
-              <a:t>Project Presentation</a:t>
+              <a:t>6.878 Project Presentation</a:t>
             </a:r>
             <a:br>
               <a:rPr lang="en-US" dirty="0" smtClean="0"/>
@@ -3772,13 +3769,8 @@
             </a:r>
             <a:r>
               <a:rPr lang="en-US" dirty="0" smtClean="0"/>
-              <a:t> : .BAM files (120 GB</a:t>
-            </a:r>
-            <a:r>
-              <a:rPr lang="en-US" dirty="0" smtClean="0"/>
-              <a:t>)</a:t>
-            </a:r>
-            <a:endParaRPr lang="en-US" dirty="0" smtClean="0"/>
+              <a:t> : .BAM files (120 GB)</a:t>
+            </a:r>
           </a:p>
         </p:txBody>
       </p:sp>
@@ -4914,7 +4906,6 @@
               <a:rPr lang="en-US" sz="1400" dirty="0"/>
               <a:t>UPGMA</a:t>
             </a:r>
-            <a:endParaRPr lang="en-US" sz="1400" dirty="0"/>
           </a:p>
         </p:txBody>
       </p:sp>
@@ -5183,8 +5174,8 @@
         </p:nvSpPr>
         <p:spPr>
           <a:xfrm>
-            <a:off x="0" y="0"/>
-            <a:ext cx="3715416" cy="707886"/>
+            <a:off x="-1" y="0"/>
+            <a:ext cx="5554169" cy="707886"/>
           </a:xfrm>
           <a:prstGeom prst="rect">
             <a:avLst/>
@@ -5205,7 +5196,7 @@
                   <a:schemeClr val="bg1"/>
                 </a:solidFill>
               </a:rPr>
-              <a:t>Visualization:</a:t>
+              <a:t>Enrichment :</a:t>
             </a:r>
             <a:endParaRPr lang="en-US" sz="4000" dirty="0">
               <a:solidFill>
@@ -5215,41 +5206,11 @@
           </a:p>
         </p:txBody>
       </p:sp>
-      <p:sp>
-        <p:nvSpPr>
-          <p:cNvPr id="7" name="TextBox 6"/>
-          <p:cNvSpPr txBox="1"/>
-          <p:nvPr/>
-        </p:nvSpPr>
-        <p:spPr>
-          <a:xfrm>
-            <a:off x="625555" y="899096"/>
-            <a:ext cx="7696220" cy="584776"/>
-          </a:xfrm>
-          <a:prstGeom prst="rect">
-            <a:avLst/>
-          </a:prstGeom>
-          <a:noFill/>
-        </p:spPr>
-        <p:txBody>
-          <a:bodyPr wrap="square" rtlCol="0">
-            <a:spAutoFit/>
-          </a:bodyPr>
-          <a:lstStyle/>
-          <a:p>
-            <a:pPr algn="ctr"/>
-            <a:r>
-              <a:rPr lang="en-US" sz="3200" dirty="0" smtClean="0"/>
-              <a:t>Demo.</a:t>
-            </a:r>
-          </a:p>
-        </p:txBody>
-      </p:sp>
       <p:pic>
         <p:nvPicPr>
-          <p:cNvPr id="2" name="Picture 1" descr="Screen Shot 2013-12-04 at 6.32.17 PM.png"/>
+          <p:cNvPr id="1026" name="Picture 2"/>
           <p:cNvPicPr>
-            <a:picLocks noChangeAspect="1"/>
+            <a:picLocks noChangeAspect="1" noChangeArrowheads="1"/>
           </p:cNvPicPr>
           <p:nvPr/>
         </p:nvPicPr>
@@ -5261,24 +5222,226 @@
               </a:ext>
             </a:extLst>
           </a:blip>
+          <a:srcRect/>
           <a:stretch>
             <a:fillRect/>
           </a:stretch>
         </p:blipFill>
-        <p:spPr>
-          <a:xfrm>
-            <a:off x="0" y="1483872"/>
-            <a:ext cx="9144000" cy="4719167"/>
+        <p:spPr bwMode="auto">
+          <a:xfrm>
+            <a:off x="2275459" y="3439735"/>
+            <a:ext cx="6557417" cy="2776865"/>
           </a:xfrm>
           <a:prstGeom prst="rect">
             <a:avLst/>
           </a:prstGeom>
+          <a:noFill/>
+          <a:ln>
+            <a:noFill/>
+          </a:ln>
+          <a:effectLst/>
+          <a:extLst>
+            <a:ext uri="{909E8E84-426E-40DD-AFC4-6F175D3DCCD1}">
+              <a14:hiddenFill xmlns:a14="http://schemas.microsoft.com/office/drawing/2010/main">
+                <a:solidFill>
+                  <a:schemeClr val="accent1"/>
+                </a:solidFill>
+              </a14:hiddenFill>
+            </a:ext>
+            <a:ext uri="{91240B29-F687-4F45-9708-019B960494DF}">
+              <a14:hiddenLine xmlns:a14="http://schemas.microsoft.com/office/drawing/2010/main" w="9525">
+                <a:solidFill>
+                  <a:schemeClr val="tx1"/>
+                </a:solidFill>
+                <a:miter lim="800000"/>
+                <a:headEnd/>
+                <a:tailEnd/>
+              </a14:hiddenLine>
+            </a:ext>
+            <a:ext uri="{AF507438-7753-43E0-B8FC-AC1667EBCBE1}">
+              <a14:hiddenEffects xmlns:a14="http://schemas.microsoft.com/office/drawing/2010/main">
+                <a:effectLst>
+                  <a:outerShdw dist="35921" dir="2700000" algn="ctr" rotWithShape="0">
+                    <a:schemeClr val="bg2"/>
+                  </a:outerShdw>
+                </a:effectLst>
+              </a14:hiddenEffects>
+            </a:ext>
+          </a:extLst>
         </p:spPr>
       </p:pic>
+      <p:sp>
+        <p:nvSpPr>
+          <p:cNvPr id="2" name="Rectangle 1"/>
+          <p:cNvSpPr/>
+          <p:nvPr/>
+        </p:nvSpPr>
+        <p:spPr>
+          <a:xfrm>
+            <a:off x="-1" y="1952855"/>
+            <a:ext cx="9040762" cy="646331"/>
+          </a:xfrm>
+          <a:prstGeom prst="rect">
+            <a:avLst/>
+          </a:prstGeom>
+        </p:spPr>
+        <p:txBody>
+          <a:bodyPr wrap="square">
+            <a:spAutoFit/>
+          </a:bodyPr>
+          <a:lstStyle/>
+          <a:p>
+            <a:r>
+              <a:rPr lang="en-US" dirty="0"/>
+              <a:t>GSE33029 </a:t>
+            </a:r>
+            <a:r>
+              <a:rPr lang="en-US" dirty="0" smtClean="0"/>
+              <a:t>:</a:t>
+            </a:r>
+          </a:p>
+          <a:p>
+            <a:r>
+              <a:rPr lang="en-US" dirty="0"/>
+              <a:t>	</a:t>
+            </a:r>
+            <a:r>
+              <a:rPr lang="en-US" dirty="0" smtClean="0"/>
+              <a:t>No significant enriched pathways or terms when corrected for multiple hypothesis testing.</a:t>
+            </a:r>
+            <a:endParaRPr lang="en-US" dirty="0"/>
+          </a:p>
+        </p:txBody>
+      </p:sp>
+      <p:sp>
+        <p:nvSpPr>
+          <p:cNvPr id="7" name="Rectangle 6"/>
+          <p:cNvSpPr/>
+          <p:nvPr/>
+        </p:nvSpPr>
+        <p:spPr>
+          <a:xfrm>
+            <a:off x="0" y="2578509"/>
+            <a:ext cx="9040762" cy="646331"/>
+          </a:xfrm>
+          <a:prstGeom prst="rect">
+            <a:avLst/>
+          </a:prstGeom>
+        </p:spPr>
+        <p:txBody>
+          <a:bodyPr wrap="square">
+            <a:spAutoFit/>
+          </a:bodyPr>
+          <a:lstStyle/>
+          <a:p>
+            <a:r>
+              <a:rPr lang="en-US" dirty="0" smtClean="0"/>
+              <a:t> </a:t>
+            </a:r>
+            <a:r>
+              <a:rPr lang="en-US" dirty="0"/>
+              <a:t>GSE19392 </a:t>
+            </a:r>
+            <a:r>
+              <a:rPr lang="en-US" dirty="0" smtClean="0"/>
+              <a:t>, GSE675: </a:t>
+            </a:r>
+          </a:p>
+          <a:p>
+            <a:r>
+              <a:rPr lang="en-US" dirty="0"/>
+              <a:t>	</a:t>
+            </a:r>
+            <a:r>
+              <a:rPr lang="en-US" dirty="0" smtClean="0"/>
+              <a:t>We see enriched pathways and terms on David.</a:t>
+            </a:r>
+            <a:endParaRPr lang="en-US" dirty="0"/>
+          </a:p>
+        </p:txBody>
+      </p:sp>
+      <p:sp>
+        <p:nvSpPr>
+          <p:cNvPr id="8" name="Rectangle 7"/>
+          <p:cNvSpPr/>
+          <p:nvPr/>
+        </p:nvSpPr>
+        <p:spPr>
+          <a:xfrm>
+            <a:off x="103238" y="718878"/>
+            <a:ext cx="9040762" cy="1200329"/>
+          </a:xfrm>
+          <a:prstGeom prst="rect">
+            <a:avLst/>
+          </a:prstGeom>
+        </p:spPr>
+        <p:txBody>
+          <a:bodyPr wrap="square">
+            <a:spAutoFit/>
+          </a:bodyPr>
+          <a:lstStyle/>
+          <a:p>
+            <a:r>
+              <a:rPr lang="en-US" dirty="0" smtClean="0"/>
+              <a:t>Approaches : </a:t>
+            </a:r>
+          </a:p>
+          <a:p>
+            <a:r>
+              <a:rPr lang="en-US" dirty="0" smtClean="0"/>
+              <a:t>	1</a:t>
+            </a:r>
+            <a:r>
+              <a:rPr lang="en-US" dirty="0"/>
+              <a:t>. Fischer's </a:t>
+            </a:r>
+            <a:r>
+              <a:rPr lang="en-US" dirty="0" smtClean="0"/>
+              <a:t>Exact test </a:t>
+            </a:r>
+            <a:r>
+              <a:rPr lang="en-US" dirty="0"/>
+              <a:t>for Gene Ontology annotations. </a:t>
+            </a:r>
+            <a:endParaRPr lang="en-US" dirty="0" smtClean="0"/>
+          </a:p>
+          <a:p>
+            <a:r>
+              <a:rPr lang="en-US" dirty="0"/>
+              <a:t>	</a:t>
+            </a:r>
+            <a:r>
+              <a:rPr lang="en-US" dirty="0" smtClean="0"/>
+              <a:t>2</a:t>
+            </a:r>
+            <a:r>
+              <a:rPr lang="en-US" dirty="0"/>
+              <a:t>. We ran the gene list generated by our clusters through </a:t>
+            </a:r>
+            <a:r>
+              <a:rPr lang="en-US" dirty="0" smtClean="0"/>
+              <a:t>DAVID functional </a:t>
+            </a:r>
+            <a:r>
+              <a:rPr lang="en-US" dirty="0"/>
+              <a:t>annotation </a:t>
+            </a:r>
+            <a:r>
+              <a:rPr lang="en-US" dirty="0" smtClean="0"/>
+              <a:t>		tool</a:t>
+            </a:r>
+            <a:r>
+              <a:rPr lang="en-US" dirty="0"/>
+              <a:t>. </a:t>
+            </a:r>
+            <a:endParaRPr lang="en-US" dirty="0" smtClean="0"/>
+          </a:p>
+        </p:txBody>
+      </p:sp>
     </p:spTree>
     <p:extLst>
       <p:ext uri="{BB962C8B-B14F-4D97-AF65-F5344CB8AC3E}">
-        <p14:creationId xmlns:p14="http://schemas.microsoft.com/office/powerpoint/2010/main" val="2485811631"/>
+        <p14:creationId xmlns:p14="http://schemas.microsoft.com/office/powerpoint/2010/main" val="3413550148"/>
       </p:ext>
     </p:extLst>
   </p:cSld>
@@ -5320,8 +5483,8 @@
         </p:nvSpPr>
         <p:spPr>
           <a:xfrm>
-            <a:off x="-1" y="0"/>
-            <a:ext cx="5554169" cy="707886"/>
+            <a:off x="0" y="0"/>
+            <a:ext cx="3715416" cy="707886"/>
           </a:xfrm>
           <a:prstGeom prst="rect">
             <a:avLst/>
@@ -5342,7 +5505,7 @@
                   <a:schemeClr val="bg1"/>
                 </a:solidFill>
               </a:rPr>
-              <a:t>Annotation/Enrichment:</a:t>
+              <a:t>Visualization:</a:t>
             </a:r>
             <a:endParaRPr lang="en-US" sz="4000" dirty="0">
               <a:solidFill>
@@ -5354,14 +5517,14 @@
       </p:sp>
       <p:sp>
         <p:nvSpPr>
-          <p:cNvPr id="3" name="TextBox 2"/>
+          <p:cNvPr id="7" name="TextBox 6"/>
           <p:cNvSpPr txBox="1"/>
           <p:nvPr/>
         </p:nvSpPr>
         <p:spPr>
           <a:xfrm>
-            <a:off x="379124" y="1987738"/>
-            <a:ext cx="3551919" cy="2308324"/>
+            <a:off x="625555" y="899096"/>
+            <a:ext cx="7696220" cy="584776"/>
           </a:xfrm>
           <a:prstGeom prst="rect">
             <a:avLst/>
@@ -5374,77 +5537,23 @@
           </a:bodyPr>
           <a:lstStyle/>
           <a:p>
-            <a:r>
-              <a:rPr lang="en-US" dirty="0" smtClean="0"/>
-              <a:t>Annotation:</a:t>
-            </a:r>
-          </a:p>
-          <a:p>
-            <a:r>
-              <a:rPr lang="en-US" dirty="0"/>
-              <a:t>	</a:t>
-            </a:r>
-            <a:r>
-              <a:rPr lang="en-US" dirty="0" smtClean="0"/>
-              <a:t>DAVID </a:t>
-            </a:r>
-            <a:r>
-              <a:rPr lang="en-US" dirty="0" err="1" smtClean="0"/>
-              <a:t>webservice</a:t>
-            </a:r>
-            <a:endParaRPr lang="en-US" dirty="0" smtClean="0"/>
-          </a:p>
-          <a:p>
-            <a:r>
-              <a:rPr lang="en-US" dirty="0"/>
-              <a:t>	</a:t>
-            </a:r>
-            <a:r>
-              <a:rPr lang="en-US" dirty="0" smtClean="0"/>
-              <a:t>OMIM offline knowledgebase</a:t>
-            </a:r>
-          </a:p>
-          <a:p>
-            <a:endParaRPr lang="en-US" dirty="0"/>
-          </a:p>
-          <a:p>
-            <a:r>
-              <a:rPr lang="en-US" dirty="0" smtClean="0"/>
-              <a:t>Enrichment:</a:t>
-            </a:r>
-          </a:p>
-          <a:p>
-            <a:r>
-              <a:rPr lang="en-US" dirty="0"/>
-              <a:t>	</a:t>
-            </a:r>
-            <a:r>
-              <a:rPr lang="en-US" dirty="0" smtClean="0"/>
-              <a:t>Fischer’s Exact test (genes annotated given Gene Ontology)</a:t>
-            </a:r>
-          </a:p>
-          <a:p>
-            <a:r>
-              <a:rPr lang="en-US" dirty="0"/>
-              <a:t>	</a:t>
-            </a:r>
-            <a:r>
-              <a:rPr lang="en-US" dirty="0" smtClean="0"/>
-              <a:t> </a:t>
-            </a:r>
-            <a:endParaRPr lang="en-US" dirty="0"/>
+            <a:pPr algn="ctr"/>
+            <a:r>
+              <a:rPr lang="en-US" sz="3200" dirty="0" smtClean="0"/>
+              <a:t>Demo.</a:t>
+            </a:r>
           </a:p>
         </p:txBody>
       </p:sp>
       <p:pic>
         <p:nvPicPr>
-          <p:cNvPr id="6" name="Picture 5" descr="WordCloudMess.png"/>
+          <p:cNvPr id="2" name="Picture 1" descr="Screen Shot 2013-12-04 at 6.32.17 PM.png"/>
           <p:cNvPicPr>
             <a:picLocks noChangeAspect="1"/>
           </p:cNvPicPr>
           <p:nvPr/>
         </p:nvPicPr>
-        <p:blipFill rotWithShape="1">
+        <p:blipFill>
           <a:blip r:embed="rId2">
             <a:extLst>
               <a:ext uri="{28A0092B-C50C-407E-A947-70E740481C1C}">
@@ -5452,13 +5561,14 @@
               </a:ext>
             </a:extLst>
           </a:blip>
-          <a:srcRect t="-6269" r="42991" b="6269"/>
-          <a:stretch/>
+          <a:stretch>
+            <a:fillRect/>
+          </a:stretch>
         </p:blipFill>
         <p:spPr>
           <a:xfrm>
-            <a:off x="3931043" y="901626"/>
-            <a:ext cx="5212957" cy="5140990"/>
+            <a:off x="0" y="1483872"/>
+            <a:ext cx="9144000" cy="4719167"/>
           </a:xfrm>
           <a:prstGeom prst="rect">
             <a:avLst/>
@@ -5468,7 +5578,7 @@
     </p:spTree>
     <p:extLst>
       <p:ext uri="{BB962C8B-B14F-4D97-AF65-F5344CB8AC3E}">
-        <p14:creationId xmlns:p14="http://schemas.microsoft.com/office/powerpoint/2010/main" val="3413550148"/>
+        <p14:creationId xmlns:p14="http://schemas.microsoft.com/office/powerpoint/2010/main" val="2485811631"/>
       </p:ext>
     </p:extLst>
   </p:cSld>
@@ -5510,8 +5620,8 @@
         </p:nvSpPr>
         <p:spPr>
           <a:xfrm>
-            <a:off x="0" y="0"/>
-            <a:ext cx="4985482" cy="707886"/>
+            <a:off x="-1" y="0"/>
+            <a:ext cx="5554169" cy="707886"/>
           </a:xfrm>
           <a:prstGeom prst="rect">
             <a:avLst/>
@@ -5532,7 +5642,7 @@
                   <a:schemeClr val="bg1"/>
                 </a:solidFill>
               </a:rPr>
-              <a:t>Next Steps:</a:t>
+              <a:t>Annotation/Enrichment:</a:t>
             </a:r>
             <a:endParaRPr lang="en-US" sz="4000" dirty="0">
               <a:solidFill>
@@ -5544,14 +5654,14 @@
       </p:sp>
       <p:sp>
         <p:nvSpPr>
-          <p:cNvPr id="7" name="TextBox 6"/>
+          <p:cNvPr id="3" name="TextBox 2"/>
           <p:cNvSpPr txBox="1"/>
           <p:nvPr/>
         </p:nvSpPr>
         <p:spPr>
           <a:xfrm>
-            <a:off x="625555" y="1963784"/>
-            <a:ext cx="7696220" cy="1477328"/>
+            <a:off x="379124" y="1987738"/>
+            <a:ext cx="3551919" cy="2308324"/>
           </a:xfrm>
           <a:prstGeom prst="rect">
             <a:avLst/>
@@ -5566,42 +5676,182 @@
           <a:p>
             <a:r>
               <a:rPr lang="en-US" dirty="0" smtClean="0"/>
-              <a:t>Redo enrichment analysis</a:t>
-            </a:r>
-          </a:p>
-          <a:p>
+              <a:t>Annotation:</a:t>
+            </a:r>
+          </a:p>
+          <a:p>
+            <a:r>
+              <a:rPr lang="en-US" dirty="0"/>
+              <a:t>	</a:t>
+            </a:r>
             <a:r>
               <a:rPr lang="en-US" dirty="0" smtClean="0"/>
-              <a:t>	Redo noise correction/use alternative dataset</a:t>
-            </a:r>
-          </a:p>
-          <a:p>
+              <a:t>DAVID </a:t>
+            </a:r>
+            <a:r>
+              <a:rPr lang="en-US" dirty="0" err="1" smtClean="0"/>
+              <a:t>webservice</a:t>
+            </a:r>
+            <a:endParaRPr lang="en-US" dirty="0" smtClean="0"/>
+          </a:p>
+          <a:p>
+            <a:r>
+              <a:rPr lang="en-US" dirty="0"/>
+              <a:t>	</a:t>
+            </a:r>
             <a:r>
               <a:rPr lang="en-US" dirty="0" smtClean="0"/>
-              <a:t>Future</a:t>
-            </a:r>
+              <a:t>OMIM offline knowledgebase</a:t>
+            </a:r>
+          </a:p>
+          <a:p>
+            <a:endParaRPr lang="en-US" dirty="0"/>
           </a:p>
           <a:p>
             <a:r>
               <a:rPr lang="en-US" dirty="0" smtClean="0"/>
-              <a:t>	Integration with SMART Genomics/GEO-compatible</a:t>
-            </a:r>
-          </a:p>
-          <a:p>
-            <a:endParaRPr lang="en-US" dirty="0" smtClean="0"/>
-          </a:p>
-        </p:txBody>
-      </p:sp>
-      <p:sp>
-        <p:nvSpPr>
-          <p:cNvPr id="5" name="TextBox 4"/>
+              <a:t>Enrichment:</a:t>
+            </a:r>
+          </a:p>
+          <a:p>
+            <a:r>
+              <a:rPr lang="en-US" dirty="0"/>
+              <a:t>	</a:t>
+            </a:r>
+            <a:r>
+              <a:rPr lang="en-US" dirty="0" smtClean="0"/>
+              <a:t>Fischer’s Exact test (genes annotated given Gene Ontology)</a:t>
+            </a:r>
+          </a:p>
+          <a:p>
+            <a:r>
+              <a:rPr lang="en-US" dirty="0"/>
+              <a:t>	</a:t>
+            </a:r>
+            <a:r>
+              <a:rPr lang="en-US" dirty="0" smtClean="0"/>
+              <a:t> </a:t>
+            </a:r>
+            <a:endParaRPr lang="en-US" dirty="0"/>
+          </a:p>
+        </p:txBody>
+      </p:sp>
+      <p:pic>
+        <p:nvPicPr>
+          <p:cNvPr id="6" name="Picture 5" descr="WordCloudMess.png"/>
+          <p:cNvPicPr>
+            <a:picLocks noChangeAspect="1"/>
+          </p:cNvPicPr>
+          <p:nvPr/>
+        </p:nvPicPr>
+        <p:blipFill rotWithShape="1">
+          <a:blip r:embed="rId2">
+            <a:extLst>
+              <a:ext uri="{28A0092B-C50C-407E-A947-70E740481C1C}">
+                <a14:useLocalDpi xmlns:a14="http://schemas.microsoft.com/office/drawing/2010/main" val="0"/>
+              </a:ext>
+            </a:extLst>
+          </a:blip>
+          <a:srcRect t="-6269" r="42991" b="6269"/>
+          <a:stretch/>
+        </p:blipFill>
+        <p:spPr>
+          <a:xfrm>
+            <a:off x="3931043" y="901626"/>
+            <a:ext cx="5212957" cy="5140990"/>
+          </a:xfrm>
+          <a:prstGeom prst="rect">
+            <a:avLst/>
+          </a:prstGeom>
+        </p:spPr>
+      </p:pic>
+    </p:spTree>
+    <p:extLst>
+      <p:ext uri="{BB962C8B-B14F-4D97-AF65-F5344CB8AC3E}">
+        <p14:creationId xmlns:p14="http://schemas.microsoft.com/office/powerpoint/2010/main" val="2105591984"/>
+      </p:ext>
+    </p:extLst>
+  </p:cSld>
+  <p:clrMapOvr>
+    <a:masterClrMapping/>
+  </p:clrMapOvr>
+  <p:timing>
+    <p:tnLst>
+      <p:par>
+        <p:cTn id="1" dur="indefinite" restart="never" nodeType="tmRoot"/>
+      </p:par>
+    </p:tnLst>
+  </p:timing>
+</p:sld>
+</file>
+
+<file path=ppt/slides/slide9.xml><?xml version="1.0" encoding="utf-8"?>
+<p:sld xmlns:a="http://schemas.openxmlformats.org/drawingml/2006/main" xmlns:r="http://schemas.openxmlformats.org/officeDocument/2006/relationships" xmlns:p="http://schemas.openxmlformats.org/presentationml/2006/main">
+  <p:cSld>
+    <p:spTree>
+      <p:nvGrpSpPr>
+        <p:cNvPr id="1" name=""/>
+        <p:cNvGrpSpPr/>
+        <p:nvPr/>
+      </p:nvGrpSpPr>
+      <p:grpSpPr>
+        <a:xfrm>
+          <a:off x="0" y="0"/>
+          <a:ext cx="0" cy="0"/>
+          <a:chOff x="0" y="0"/>
+          <a:chExt cx="0" cy="0"/>
+        </a:xfrm>
+      </p:grpSpPr>
+      <p:sp>
+        <p:nvSpPr>
+          <p:cNvPr id="4" name="TextBox 3"/>
           <p:cNvSpPr txBox="1"/>
           <p:nvPr/>
         </p:nvSpPr>
         <p:spPr>
           <a:xfrm>
-            <a:off x="625555" y="4234046"/>
-            <a:ext cx="7696220" cy="1200329"/>
+            <a:off x="0" y="0"/>
+            <a:ext cx="4985482" cy="707886"/>
+          </a:xfrm>
+          <a:prstGeom prst="rect">
+            <a:avLst/>
+          </a:prstGeom>
+          <a:solidFill>
+            <a:srgbClr val="660066"/>
+          </a:solidFill>
+        </p:spPr>
+        <p:txBody>
+          <a:bodyPr wrap="square" rtlCol="0">
+            <a:spAutoFit/>
+          </a:bodyPr>
+          <a:lstStyle/>
+          <a:p>
+            <a:r>
+              <a:rPr lang="en-US" sz="4000" dirty="0" smtClean="0">
+                <a:solidFill>
+                  <a:schemeClr val="bg1"/>
+                </a:solidFill>
+              </a:rPr>
+              <a:t>Next Steps:</a:t>
+            </a:r>
+            <a:endParaRPr lang="en-US" sz="4000" dirty="0">
+              <a:solidFill>
+                <a:schemeClr val="bg1"/>
+              </a:solidFill>
+            </a:endParaRPr>
+          </a:p>
+        </p:txBody>
+      </p:sp>
+      <p:sp>
+        <p:nvSpPr>
+          <p:cNvPr id="7" name="TextBox 6"/>
+          <p:cNvSpPr txBox="1"/>
+          <p:nvPr/>
+        </p:nvSpPr>
+        <p:spPr>
+          <a:xfrm>
+            <a:off x="625555" y="1963784"/>
+            <a:ext cx="7696220" cy="2031325"/>
           </a:xfrm>
           <a:prstGeom prst="rect">
             <a:avLst/>
@@ -5614,50 +5864,109 @@
           </a:bodyPr>
           <a:lstStyle/>
           <a:p>
+            <a:r>
+              <a:rPr lang="en-US" dirty="0" smtClean="0"/>
+              <a:t>Redo enrichment analysis</a:t>
+            </a:r>
+          </a:p>
+          <a:p>
+            <a:r>
+              <a:rPr lang="en-US" dirty="0" smtClean="0"/>
+              <a:t>	Redo noise </a:t>
+            </a:r>
+            <a:r>
+              <a:rPr lang="en-US" dirty="0" smtClean="0"/>
+              <a:t>correction and analyze root cause of the missing </a:t>
+            </a:r>
+            <a:r>
+              <a:rPr lang="en-US" dirty="0"/>
+              <a:t>enrichment results for GSE33029 </a:t>
+            </a:r>
+            <a:r>
+              <a:rPr lang="en-US" dirty="0" smtClean="0"/>
+              <a:t>.</a:t>
+            </a:r>
+          </a:p>
+          <a:p>
+            <a:endParaRPr lang="en-US" dirty="0" smtClean="0"/>
+          </a:p>
+          <a:p>
+            <a:r>
+              <a:rPr lang="en-US" dirty="0" smtClean="0"/>
+              <a:t>Future</a:t>
+            </a:r>
+          </a:p>
+          <a:p>
+            <a:r>
+              <a:rPr lang="en-US" dirty="0" smtClean="0"/>
+              <a:t>	Integration with SMART Genomics/GEO-compatible</a:t>
+            </a:r>
+          </a:p>
+          <a:p>
+            <a:endParaRPr lang="en-US" dirty="0" smtClean="0"/>
+          </a:p>
+        </p:txBody>
+      </p:sp>
+      <p:sp>
+        <p:nvSpPr>
+          <p:cNvPr id="5" name="TextBox 4"/>
+          <p:cNvSpPr txBox="1"/>
+          <p:nvPr/>
+        </p:nvSpPr>
+        <p:spPr>
+          <a:xfrm>
+            <a:off x="625555" y="4234046"/>
+            <a:ext cx="7696220" cy="1477328"/>
+          </a:xfrm>
+          <a:prstGeom prst="rect">
+            <a:avLst/>
+          </a:prstGeom>
+          <a:noFill/>
+        </p:spPr>
+        <p:txBody>
+          <a:bodyPr wrap="square" rtlCol="0">
+            <a:spAutoFit/>
+          </a:bodyPr>
+          <a:lstStyle/>
+          <a:p>
             <a:pPr algn="ctr"/>
             <a:r>
               <a:rPr lang="en-US" dirty="0" smtClean="0"/>
-              <a:t>With thanks to</a:t>
+              <a:t>With thanks </a:t>
+            </a:r>
+            <a:r>
+              <a:rPr lang="en-US" dirty="0" smtClean="0"/>
+              <a:t>to</a:t>
             </a:r>
           </a:p>
           <a:p>
             <a:pPr algn="ctr"/>
             <a:r>
               <a:rPr lang="en-US" dirty="0" smtClean="0"/>
-              <a:t>	Peter </a:t>
-            </a:r>
-            <a:r>
-              <a:rPr lang="en-US" dirty="0" err="1" smtClean="0"/>
-              <a:t>Szolovits</a:t>
+              <a:t>Gerald Quon</a:t>
+            </a:r>
+          </a:p>
+          <a:p>
+            <a:pPr algn="ctr"/>
+            <a:r>
+              <a:rPr lang="en-US" dirty="0" smtClean="0"/>
+              <a:t>Max Wolf</a:t>
+            </a:r>
+          </a:p>
+          <a:p>
+            <a:pPr algn="ctr"/>
+            <a:r>
+              <a:rPr lang="en-US" dirty="0"/>
+              <a:t>Manolis </a:t>
+            </a:r>
+            <a:r>
+              <a:rPr lang="en-US" dirty="0" err="1"/>
+              <a:t>Kellis</a:t>
             </a:r>
             <a:endParaRPr lang="en-US" dirty="0"/>
           </a:p>
           <a:p>
             <a:pPr algn="ctr"/>
-            <a:r>
-              <a:rPr lang="en-US" dirty="0" smtClean="0"/>
-              <a:t>	Gil </a:t>
-            </a:r>
-            <a:r>
-              <a:rPr lang="en-US" dirty="0" err="1" smtClean="0"/>
-              <a:t>Alterovitz</a:t>
-            </a:r>
-            <a:endParaRPr lang="en-US" dirty="0" smtClean="0"/>
-          </a:p>
-          <a:p>
-            <a:pPr algn="ctr"/>
-            <a:r>
-              <a:rPr lang="en-US" dirty="0"/>
-              <a:t>	</a:t>
-            </a:r>
-            <a:r>
-              <a:rPr lang="en-US" dirty="0" smtClean="0"/>
-              <a:t>Gerald </a:t>
-            </a:r>
-            <a:r>
-              <a:rPr lang="en-US" dirty="0" err="1" smtClean="0"/>
-              <a:t>Quon</a:t>
-            </a:r>
             <a:endParaRPr lang="en-US" dirty="0" smtClean="0"/>
           </a:p>
         </p:txBody>
